--- a/safe1/资料/图.pptx
+++ b/safe1/资料/图.pptx
@@ -8,6 +8,12 @@
     <p:sldId id="256" r:id="rId2"/>
     <p:sldId id="257" r:id="rId3"/>
     <p:sldId id="258" r:id="rId4"/>
+    <p:sldId id="259" r:id="rId5"/>
+    <p:sldId id="260" r:id="rId6"/>
+    <p:sldId id="261" r:id="rId7"/>
+    <p:sldId id="262" r:id="rId8"/>
+    <p:sldId id="263" r:id="rId9"/>
+    <p:sldId id="264" r:id="rId10"/>
   </p:sldIdLst>
   <p:sldSz cx="12192000" cy="6858000"/>
   <p:notesSz cx="6858000" cy="9144000"/>
@@ -273,7 +279,7 @@
           <a:p>
             <a:fld id="{60BA838D-2FD8-4B0E-8C3C-CD32209BDF01}" type="datetimeFigureOut">
               <a:rPr lang="zh-CN" altLang="en-US" smtClean="0"/>
-              <a:t>2019/12/11</a:t>
+              <a:t>2019/12/13</a:t>
             </a:fld>
             <a:endParaRPr lang="zh-CN" altLang="en-US"/>
           </a:p>
@@ -471,7 +477,7 @@
           <a:p>
             <a:fld id="{60BA838D-2FD8-4B0E-8C3C-CD32209BDF01}" type="datetimeFigureOut">
               <a:rPr lang="zh-CN" altLang="en-US" smtClean="0"/>
-              <a:t>2019/12/11</a:t>
+              <a:t>2019/12/13</a:t>
             </a:fld>
             <a:endParaRPr lang="zh-CN" altLang="en-US"/>
           </a:p>
@@ -679,7 +685,7 @@
           <a:p>
             <a:fld id="{60BA838D-2FD8-4B0E-8C3C-CD32209BDF01}" type="datetimeFigureOut">
               <a:rPr lang="zh-CN" altLang="en-US" smtClean="0"/>
-              <a:t>2019/12/11</a:t>
+              <a:t>2019/12/13</a:t>
             </a:fld>
             <a:endParaRPr lang="zh-CN" altLang="en-US"/>
           </a:p>
@@ -877,7 +883,7 @@
           <a:p>
             <a:fld id="{60BA838D-2FD8-4B0E-8C3C-CD32209BDF01}" type="datetimeFigureOut">
               <a:rPr lang="zh-CN" altLang="en-US" smtClean="0"/>
-              <a:t>2019/12/11</a:t>
+              <a:t>2019/12/13</a:t>
             </a:fld>
             <a:endParaRPr lang="zh-CN" altLang="en-US"/>
           </a:p>
@@ -1152,7 +1158,7 @@
           <a:p>
             <a:fld id="{60BA838D-2FD8-4B0E-8C3C-CD32209BDF01}" type="datetimeFigureOut">
               <a:rPr lang="zh-CN" altLang="en-US" smtClean="0"/>
-              <a:t>2019/12/11</a:t>
+              <a:t>2019/12/13</a:t>
             </a:fld>
             <a:endParaRPr lang="zh-CN" altLang="en-US"/>
           </a:p>
@@ -1417,7 +1423,7 @@
           <a:p>
             <a:fld id="{60BA838D-2FD8-4B0E-8C3C-CD32209BDF01}" type="datetimeFigureOut">
               <a:rPr lang="zh-CN" altLang="en-US" smtClean="0"/>
-              <a:t>2019/12/11</a:t>
+              <a:t>2019/12/13</a:t>
             </a:fld>
             <a:endParaRPr lang="zh-CN" altLang="en-US"/>
           </a:p>
@@ -1829,7 +1835,7 @@
           <a:p>
             <a:fld id="{60BA838D-2FD8-4B0E-8C3C-CD32209BDF01}" type="datetimeFigureOut">
               <a:rPr lang="zh-CN" altLang="en-US" smtClean="0"/>
-              <a:t>2019/12/11</a:t>
+              <a:t>2019/12/13</a:t>
             </a:fld>
             <a:endParaRPr lang="zh-CN" altLang="en-US"/>
           </a:p>
@@ -1970,7 +1976,7 @@
           <a:p>
             <a:fld id="{60BA838D-2FD8-4B0E-8C3C-CD32209BDF01}" type="datetimeFigureOut">
               <a:rPr lang="zh-CN" altLang="en-US" smtClean="0"/>
-              <a:t>2019/12/11</a:t>
+              <a:t>2019/12/13</a:t>
             </a:fld>
             <a:endParaRPr lang="zh-CN" altLang="en-US"/>
           </a:p>
@@ -2083,7 +2089,7 @@
           <a:p>
             <a:fld id="{60BA838D-2FD8-4B0E-8C3C-CD32209BDF01}" type="datetimeFigureOut">
               <a:rPr lang="zh-CN" altLang="en-US" smtClean="0"/>
-              <a:t>2019/12/11</a:t>
+              <a:t>2019/12/13</a:t>
             </a:fld>
             <a:endParaRPr lang="zh-CN" altLang="en-US"/>
           </a:p>
@@ -2394,7 +2400,7 @@
           <a:p>
             <a:fld id="{60BA838D-2FD8-4B0E-8C3C-CD32209BDF01}" type="datetimeFigureOut">
               <a:rPr lang="zh-CN" altLang="en-US" smtClean="0"/>
-              <a:t>2019/12/11</a:t>
+              <a:t>2019/12/13</a:t>
             </a:fld>
             <a:endParaRPr lang="zh-CN" altLang="en-US"/>
           </a:p>
@@ -2682,7 +2688,7 @@
           <a:p>
             <a:fld id="{60BA838D-2FD8-4B0E-8C3C-CD32209BDF01}" type="datetimeFigureOut">
               <a:rPr lang="zh-CN" altLang="en-US" smtClean="0"/>
-              <a:t>2019/12/11</a:t>
+              <a:t>2019/12/13</a:t>
             </a:fld>
             <a:endParaRPr lang="zh-CN" altLang="en-US"/>
           </a:p>
@@ -2923,7 +2929,7 @@
           <a:p>
             <a:fld id="{60BA838D-2FD8-4B0E-8C3C-CD32209BDF01}" type="datetimeFigureOut">
               <a:rPr lang="zh-CN" altLang="en-US" smtClean="0"/>
-              <a:t>2019/12/11</a:t>
+              <a:t>2019/12/13</a:t>
             </a:fld>
             <a:endParaRPr lang="zh-CN" altLang="en-US"/>
           </a:p>
@@ -12694,6 +12700,1791 @@
     <p:extLst>
       <p:ext uri="{BB962C8B-B14F-4D97-AF65-F5344CB8AC3E}">
         <p14:creationId xmlns:p14="http://schemas.microsoft.com/office/powerpoint/2010/main" val="2641678617"/>
+      </p:ext>
+    </p:extLst>
+  </p:cSld>
+  <p:clrMapOvr>
+    <a:masterClrMapping/>
+  </p:clrMapOvr>
+</p:sld>
+</file>
+
+<file path=ppt/slides/slide4.xml><?xml version="1.0" encoding="utf-8"?>
+<p:sld xmlns:a="http://schemas.openxmlformats.org/drawingml/2006/main" xmlns:r="http://schemas.openxmlformats.org/officeDocument/2006/relationships" xmlns:p="http://schemas.openxmlformats.org/presentationml/2006/main">
+  <p:cSld>
+    <p:spTree>
+      <p:nvGrpSpPr>
+        <p:cNvPr id="1" name=""/>
+        <p:cNvGrpSpPr/>
+        <p:nvPr/>
+      </p:nvGrpSpPr>
+      <p:grpSpPr>
+        <a:xfrm>
+          <a:off x="0" y="0"/>
+          <a:ext cx="0" cy="0"/>
+          <a:chOff x="0" y="0"/>
+          <a:chExt cx="0" cy="0"/>
+        </a:xfrm>
+      </p:grpSpPr>
+      <p:pic>
+        <p:nvPicPr>
+          <p:cNvPr id="5" name="图片 4" descr="手机屏幕截图&#10;&#10;描述已自动生成">
+            <a:extLst>
+              <a:ext uri="{FF2B5EF4-FFF2-40B4-BE49-F238E27FC236}">
+                <a16:creationId xmlns:a16="http://schemas.microsoft.com/office/drawing/2014/main" id="{233EFC04-5B96-4260-AF47-A974D335754C}"/>
+              </a:ext>
+            </a:extLst>
+          </p:cNvPr>
+          <p:cNvPicPr>
+            <a:picLocks noChangeAspect="1"/>
+          </p:cNvPicPr>
+          <p:nvPr/>
+        </p:nvPicPr>
+        <p:blipFill>
+          <a:blip r:embed="rId2">
+            <a:extLst>
+              <a:ext uri="{28A0092B-C50C-407E-A947-70E740481C1C}">
+                <a14:useLocalDpi xmlns:a14="http://schemas.microsoft.com/office/drawing/2010/main" val="0"/>
+              </a:ext>
+            </a:extLst>
+          </a:blip>
+          <a:stretch>
+            <a:fillRect/>
+          </a:stretch>
+        </p:blipFill>
+        <p:spPr>
+          <a:xfrm>
+            <a:off x="1457633" y="1386143"/>
+            <a:ext cx="4933333" cy="4085714"/>
+          </a:xfrm>
+          <a:prstGeom prst="rect">
+            <a:avLst/>
+          </a:prstGeom>
+        </p:spPr>
+      </p:pic>
+      <p:sp>
+        <p:nvSpPr>
+          <p:cNvPr id="6" name="文本框 5">
+            <a:extLst>
+              <a:ext uri="{FF2B5EF4-FFF2-40B4-BE49-F238E27FC236}">
+                <a16:creationId xmlns:a16="http://schemas.microsoft.com/office/drawing/2014/main" id="{9AA30FD6-65F2-4079-87CD-123B8982B76D}"/>
+              </a:ext>
+            </a:extLst>
+          </p:cNvPr>
+          <p:cNvSpPr txBox="1"/>
+          <p:nvPr/>
+        </p:nvSpPr>
+        <p:spPr>
+          <a:xfrm>
+            <a:off x="1720517" y="565485"/>
+            <a:ext cx="3994484" cy="369332"/>
+          </a:xfrm>
+          <a:prstGeom prst="rect">
+            <a:avLst/>
+          </a:prstGeom>
+        </p:spPr>
+        <p:style>
+          <a:lnRef idx="2">
+            <a:schemeClr val="dk1"/>
+          </a:lnRef>
+          <a:fillRef idx="1">
+            <a:schemeClr val="lt1"/>
+          </a:fillRef>
+          <a:effectRef idx="0">
+            <a:schemeClr val="dk1"/>
+          </a:effectRef>
+          <a:fontRef idx="minor">
+            <a:schemeClr val="dk1"/>
+          </a:fontRef>
+        </p:style>
+        <p:txBody>
+          <a:bodyPr wrap="square" rtlCol="0">
+            <a:spAutoFit/>
+          </a:bodyPr>
+          <a:lstStyle/>
+          <a:p>
+            <a:r>
+              <a:rPr lang="en-US" altLang="zh-CN" dirty="0" err="1"/>
+              <a:t>communityIndexPage_NoticeList</a:t>
+            </a:r>
+            <a:r>
+              <a:rPr lang="zh-CN" altLang="en-US" dirty="0"/>
+              <a:t>控件</a:t>
+            </a:r>
+          </a:p>
+        </p:txBody>
+      </p:sp>
+      <p:sp>
+        <p:nvSpPr>
+          <p:cNvPr id="7" name="文本框 6">
+            <a:extLst>
+              <a:ext uri="{FF2B5EF4-FFF2-40B4-BE49-F238E27FC236}">
+                <a16:creationId xmlns:a16="http://schemas.microsoft.com/office/drawing/2014/main" id="{1C395239-BCC8-4C62-8CCE-EE9ADC61F065}"/>
+              </a:ext>
+            </a:extLst>
+          </p:cNvPr>
+          <p:cNvSpPr txBox="1"/>
+          <p:nvPr/>
+        </p:nvSpPr>
+        <p:spPr>
+          <a:xfrm>
+            <a:off x="6942220" y="565485"/>
+            <a:ext cx="4920917" cy="369332"/>
+          </a:xfrm>
+          <a:prstGeom prst="rect">
+            <a:avLst/>
+          </a:prstGeom>
+        </p:spPr>
+        <p:style>
+          <a:lnRef idx="2">
+            <a:schemeClr val="dk1"/>
+          </a:lnRef>
+          <a:fillRef idx="1">
+            <a:schemeClr val="lt1"/>
+          </a:fillRef>
+          <a:effectRef idx="0">
+            <a:schemeClr val="dk1"/>
+          </a:effectRef>
+          <a:fontRef idx="minor">
+            <a:schemeClr val="dk1"/>
+          </a:fontRef>
+        </p:style>
+        <p:txBody>
+          <a:bodyPr wrap="square" rtlCol="0">
+            <a:spAutoFit/>
+          </a:bodyPr>
+          <a:lstStyle/>
+          <a:p>
+            <a:r>
+              <a:rPr lang="en-US" altLang="zh-CN" dirty="0" err="1"/>
+              <a:t>addNewTitle</a:t>
+            </a:r>
+            <a:r>
+              <a:rPr lang="en-US" altLang="zh-CN" dirty="0"/>
+              <a:t>(string </a:t>
+            </a:r>
+            <a:r>
+              <a:rPr lang="en-US" altLang="zh-CN" dirty="0" err="1"/>
+              <a:t>newTitle</a:t>
+            </a:r>
+            <a:r>
+              <a:rPr lang="en-US" altLang="zh-CN" dirty="0"/>
+              <a:t>) -&gt; </a:t>
+            </a:r>
+            <a:r>
+              <a:rPr lang="zh-CN" altLang="en-US" dirty="0"/>
+              <a:t>添加标题</a:t>
+            </a:r>
+          </a:p>
+        </p:txBody>
+      </p:sp>
+      <p:sp>
+        <p:nvSpPr>
+          <p:cNvPr id="8" name="文本框 7">
+            <a:extLst>
+              <a:ext uri="{FF2B5EF4-FFF2-40B4-BE49-F238E27FC236}">
+                <a16:creationId xmlns:a16="http://schemas.microsoft.com/office/drawing/2014/main" id="{EA14D3FB-3B43-4F71-88F9-4FB50B4DBE97}"/>
+              </a:ext>
+            </a:extLst>
+          </p:cNvPr>
+          <p:cNvSpPr txBox="1"/>
+          <p:nvPr/>
+        </p:nvSpPr>
+        <p:spPr>
+          <a:xfrm>
+            <a:off x="6942219" y="1201477"/>
+            <a:ext cx="4920917" cy="369332"/>
+          </a:xfrm>
+          <a:prstGeom prst="rect">
+            <a:avLst/>
+          </a:prstGeom>
+        </p:spPr>
+        <p:style>
+          <a:lnRef idx="2">
+            <a:schemeClr val="dk1"/>
+          </a:lnRef>
+          <a:fillRef idx="1">
+            <a:schemeClr val="lt1"/>
+          </a:fillRef>
+          <a:effectRef idx="0">
+            <a:schemeClr val="dk1"/>
+          </a:effectRef>
+          <a:fontRef idx="minor">
+            <a:schemeClr val="dk1"/>
+          </a:fontRef>
+        </p:style>
+        <p:txBody>
+          <a:bodyPr wrap="square" rtlCol="0">
+            <a:spAutoFit/>
+          </a:bodyPr>
+          <a:lstStyle/>
+          <a:p>
+            <a:r>
+              <a:rPr lang="en-US" altLang="zh-CN" dirty="0" err="1"/>
+              <a:t>addLiText</a:t>
+            </a:r>
+            <a:r>
+              <a:rPr lang="en-US" altLang="zh-CN" dirty="0"/>
+              <a:t>(string </a:t>
+            </a:r>
+            <a:r>
+              <a:rPr lang="en-US" altLang="zh-CN" dirty="0" err="1"/>
+              <a:t>newText</a:t>
+            </a:r>
+            <a:r>
+              <a:rPr lang="en-US" altLang="zh-CN" dirty="0"/>
+              <a:t>) -&gt; </a:t>
+            </a:r>
+            <a:r>
+              <a:rPr lang="zh-CN" altLang="en-US" dirty="0"/>
+              <a:t>添加列表内容</a:t>
+            </a:r>
+          </a:p>
+        </p:txBody>
+      </p:sp>
+      <p:cxnSp>
+        <p:nvCxnSpPr>
+          <p:cNvPr id="10" name="直接箭头连接符 9">
+            <a:extLst>
+              <a:ext uri="{FF2B5EF4-FFF2-40B4-BE49-F238E27FC236}">
+                <a16:creationId xmlns:a16="http://schemas.microsoft.com/office/drawing/2014/main" id="{38FA0BEF-483F-44AC-BECA-27ABC4176149}"/>
+              </a:ext>
+            </a:extLst>
+          </p:cNvPr>
+          <p:cNvCxnSpPr>
+            <a:stCxn id="6" idx="3"/>
+            <a:endCxn id="7" idx="1"/>
+          </p:cNvCxnSpPr>
+          <p:nvPr/>
+        </p:nvCxnSpPr>
+        <p:spPr>
+          <a:xfrm>
+            <a:off x="5715001" y="750151"/>
+            <a:ext cx="1227219" cy="0"/>
+          </a:xfrm>
+          <a:prstGeom prst="straightConnector1">
+            <a:avLst/>
+          </a:prstGeom>
+          <a:ln>
+            <a:solidFill>
+              <a:schemeClr val="tx1"/>
+            </a:solidFill>
+            <a:tailEnd type="triangle"/>
+          </a:ln>
+        </p:spPr>
+        <p:style>
+          <a:lnRef idx="1">
+            <a:schemeClr val="accent1"/>
+          </a:lnRef>
+          <a:fillRef idx="0">
+            <a:schemeClr val="accent1"/>
+          </a:fillRef>
+          <a:effectRef idx="0">
+            <a:schemeClr val="accent1"/>
+          </a:effectRef>
+          <a:fontRef idx="minor">
+            <a:schemeClr val="tx1"/>
+          </a:fontRef>
+        </p:style>
+      </p:cxnSp>
+      <p:cxnSp>
+        <p:nvCxnSpPr>
+          <p:cNvPr id="12" name="直接箭头连接符 11">
+            <a:extLst>
+              <a:ext uri="{FF2B5EF4-FFF2-40B4-BE49-F238E27FC236}">
+                <a16:creationId xmlns:a16="http://schemas.microsoft.com/office/drawing/2014/main" id="{EE0CEF91-CC5F-4E57-A785-F5D9E727A852}"/>
+              </a:ext>
+            </a:extLst>
+          </p:cNvPr>
+          <p:cNvCxnSpPr>
+            <a:stCxn id="6" idx="3"/>
+            <a:endCxn id="8" idx="1"/>
+          </p:cNvCxnSpPr>
+          <p:nvPr/>
+        </p:nvCxnSpPr>
+        <p:spPr>
+          <a:xfrm>
+            <a:off x="5715001" y="750151"/>
+            <a:ext cx="1227218" cy="635992"/>
+          </a:xfrm>
+          <a:prstGeom prst="straightConnector1">
+            <a:avLst/>
+          </a:prstGeom>
+          <a:ln>
+            <a:solidFill>
+              <a:schemeClr val="tx1"/>
+            </a:solidFill>
+            <a:tailEnd type="triangle"/>
+          </a:ln>
+        </p:spPr>
+        <p:style>
+          <a:lnRef idx="1">
+            <a:schemeClr val="accent1"/>
+          </a:lnRef>
+          <a:fillRef idx="0">
+            <a:schemeClr val="accent1"/>
+          </a:fillRef>
+          <a:effectRef idx="0">
+            <a:schemeClr val="accent1"/>
+          </a:effectRef>
+          <a:fontRef idx="minor">
+            <a:schemeClr val="tx1"/>
+          </a:fontRef>
+        </p:style>
+      </p:cxnSp>
+    </p:spTree>
+    <p:extLst>
+      <p:ext uri="{BB962C8B-B14F-4D97-AF65-F5344CB8AC3E}">
+        <p14:creationId xmlns:p14="http://schemas.microsoft.com/office/powerpoint/2010/main" val="1385678998"/>
+      </p:ext>
+    </p:extLst>
+  </p:cSld>
+  <p:clrMapOvr>
+    <a:masterClrMapping/>
+  </p:clrMapOvr>
+</p:sld>
+</file>
+
+<file path=ppt/slides/slide5.xml><?xml version="1.0" encoding="utf-8"?>
+<p:sld xmlns:a="http://schemas.openxmlformats.org/drawingml/2006/main" xmlns:r="http://schemas.openxmlformats.org/officeDocument/2006/relationships" xmlns:p="http://schemas.openxmlformats.org/presentationml/2006/main">
+  <p:cSld>
+    <p:spTree>
+      <p:nvGrpSpPr>
+        <p:cNvPr id="1" name=""/>
+        <p:cNvGrpSpPr/>
+        <p:nvPr/>
+      </p:nvGrpSpPr>
+      <p:grpSpPr>
+        <a:xfrm>
+          <a:off x="0" y="0"/>
+          <a:ext cx="0" cy="0"/>
+          <a:chOff x="0" y="0"/>
+          <a:chExt cx="0" cy="0"/>
+        </a:xfrm>
+      </p:grpSpPr>
+      <p:pic>
+        <p:nvPicPr>
+          <p:cNvPr id="5" name="图片 4" descr="手机屏幕截图&#10;&#10;描述已自动生成">
+            <a:extLst>
+              <a:ext uri="{FF2B5EF4-FFF2-40B4-BE49-F238E27FC236}">
+                <a16:creationId xmlns:a16="http://schemas.microsoft.com/office/drawing/2014/main" id="{E456B8DC-7F6D-4084-9F04-379DE6B932AF}"/>
+              </a:ext>
+            </a:extLst>
+          </p:cNvPr>
+          <p:cNvPicPr>
+            <a:picLocks noChangeAspect="1"/>
+          </p:cNvPicPr>
+          <p:nvPr/>
+        </p:nvPicPr>
+        <p:blipFill>
+          <a:blip r:embed="rId2">
+            <a:extLst>
+              <a:ext uri="{28A0092B-C50C-407E-A947-70E740481C1C}">
+                <a14:useLocalDpi xmlns:a14="http://schemas.microsoft.com/office/drawing/2010/main" val="0"/>
+              </a:ext>
+            </a:extLst>
+          </a:blip>
+          <a:stretch>
+            <a:fillRect/>
+          </a:stretch>
+        </p:blipFill>
+        <p:spPr>
+          <a:xfrm>
+            <a:off x="781714" y="381991"/>
+            <a:ext cx="10628571" cy="1914286"/>
+          </a:xfrm>
+          <a:prstGeom prst="rect">
+            <a:avLst/>
+          </a:prstGeom>
+        </p:spPr>
+      </p:pic>
+      <p:sp>
+        <p:nvSpPr>
+          <p:cNvPr id="6" name="文本框 5">
+            <a:extLst>
+              <a:ext uri="{FF2B5EF4-FFF2-40B4-BE49-F238E27FC236}">
+                <a16:creationId xmlns:a16="http://schemas.microsoft.com/office/drawing/2014/main" id="{E626C2EB-F0D9-4FEA-AFAB-81F7C93BF1E8}"/>
+              </a:ext>
+            </a:extLst>
+          </p:cNvPr>
+          <p:cNvSpPr txBox="1"/>
+          <p:nvPr/>
+        </p:nvSpPr>
+        <p:spPr>
+          <a:xfrm>
+            <a:off x="3741820" y="2710088"/>
+            <a:ext cx="4174959" cy="369332"/>
+          </a:xfrm>
+          <a:prstGeom prst="rect">
+            <a:avLst/>
+          </a:prstGeom>
+        </p:spPr>
+        <p:style>
+          <a:lnRef idx="2">
+            <a:schemeClr val="dk1"/>
+          </a:lnRef>
+          <a:fillRef idx="1">
+            <a:schemeClr val="lt1"/>
+          </a:fillRef>
+          <a:effectRef idx="0">
+            <a:schemeClr val="dk1"/>
+          </a:effectRef>
+          <a:fontRef idx="minor">
+            <a:schemeClr val="dk1"/>
+          </a:fontRef>
+        </p:style>
+        <p:txBody>
+          <a:bodyPr wrap="square" rtlCol="0">
+            <a:spAutoFit/>
+          </a:bodyPr>
+          <a:lstStyle/>
+          <a:p>
+            <a:r>
+              <a:rPr lang="en-US" altLang="zh-CN" dirty="0" err="1"/>
+              <a:t>communityIndexPage_LatestNotice</a:t>
+            </a:r>
+            <a:r>
+              <a:rPr lang="zh-CN" altLang="en-US" dirty="0"/>
+              <a:t>控件</a:t>
+            </a:r>
+          </a:p>
+        </p:txBody>
+      </p:sp>
+      <p:sp>
+        <p:nvSpPr>
+          <p:cNvPr id="7" name="文本框 6">
+            <a:extLst>
+              <a:ext uri="{FF2B5EF4-FFF2-40B4-BE49-F238E27FC236}">
+                <a16:creationId xmlns:a16="http://schemas.microsoft.com/office/drawing/2014/main" id="{4FD43BA4-9B60-4E21-895D-A5A8B6B54A95}"/>
+              </a:ext>
+            </a:extLst>
+          </p:cNvPr>
+          <p:cNvSpPr txBox="1"/>
+          <p:nvPr/>
+        </p:nvSpPr>
+        <p:spPr>
+          <a:xfrm>
+            <a:off x="535403" y="4147912"/>
+            <a:ext cx="4572001" cy="369332"/>
+          </a:xfrm>
+          <a:prstGeom prst="rect">
+            <a:avLst/>
+          </a:prstGeom>
+        </p:spPr>
+        <p:style>
+          <a:lnRef idx="2">
+            <a:schemeClr val="dk1"/>
+          </a:lnRef>
+          <a:fillRef idx="1">
+            <a:schemeClr val="lt1"/>
+          </a:fillRef>
+          <a:effectRef idx="0">
+            <a:schemeClr val="dk1"/>
+          </a:effectRef>
+          <a:fontRef idx="minor">
+            <a:schemeClr val="dk1"/>
+          </a:fontRef>
+        </p:style>
+        <p:txBody>
+          <a:bodyPr wrap="square" rtlCol="0">
+            <a:spAutoFit/>
+          </a:bodyPr>
+          <a:lstStyle/>
+          <a:p>
+            <a:r>
+              <a:rPr lang="en-US" altLang="zh-CN" dirty="0" err="1"/>
+              <a:t>latestNotice_Title</a:t>
+            </a:r>
+            <a:r>
+              <a:rPr lang="en-US" altLang="zh-CN" dirty="0"/>
+              <a:t> -&gt; </a:t>
+            </a:r>
+            <a:r>
+              <a:rPr lang="zh-CN" altLang="en-US" dirty="0"/>
+              <a:t>（变量）标题</a:t>
+            </a:r>
+          </a:p>
+        </p:txBody>
+      </p:sp>
+      <p:sp>
+        <p:nvSpPr>
+          <p:cNvPr id="8" name="文本框 7">
+            <a:extLst>
+              <a:ext uri="{FF2B5EF4-FFF2-40B4-BE49-F238E27FC236}">
+                <a16:creationId xmlns:a16="http://schemas.microsoft.com/office/drawing/2014/main" id="{AF2BE6F4-7C1D-45C8-A101-DD388C1A4BF7}"/>
+              </a:ext>
+            </a:extLst>
+          </p:cNvPr>
+          <p:cNvSpPr txBox="1"/>
+          <p:nvPr/>
+        </p:nvSpPr>
+        <p:spPr>
+          <a:xfrm>
+            <a:off x="6244388" y="4147912"/>
+            <a:ext cx="4572001" cy="369332"/>
+          </a:xfrm>
+          <a:prstGeom prst="rect">
+            <a:avLst/>
+          </a:prstGeom>
+        </p:spPr>
+        <p:style>
+          <a:lnRef idx="2">
+            <a:schemeClr val="dk1"/>
+          </a:lnRef>
+          <a:fillRef idx="1">
+            <a:schemeClr val="lt1"/>
+          </a:fillRef>
+          <a:effectRef idx="0">
+            <a:schemeClr val="dk1"/>
+          </a:effectRef>
+          <a:fontRef idx="minor">
+            <a:schemeClr val="dk1"/>
+          </a:fontRef>
+        </p:style>
+        <p:txBody>
+          <a:bodyPr wrap="square" rtlCol="0">
+            <a:spAutoFit/>
+          </a:bodyPr>
+          <a:lstStyle/>
+          <a:p>
+            <a:r>
+              <a:rPr lang="en-US" altLang="zh-CN" dirty="0" err="1"/>
+              <a:t>latestNotice_Text</a:t>
+            </a:r>
+            <a:r>
+              <a:rPr lang="en-US" altLang="zh-CN" dirty="0"/>
+              <a:t>-&gt; </a:t>
+            </a:r>
+            <a:r>
+              <a:rPr lang="zh-CN" altLang="en-US" dirty="0"/>
+              <a:t>（变量）内容</a:t>
+            </a:r>
+          </a:p>
+        </p:txBody>
+      </p:sp>
+      <p:cxnSp>
+        <p:nvCxnSpPr>
+          <p:cNvPr id="10" name="直接箭头连接符 9">
+            <a:extLst>
+              <a:ext uri="{FF2B5EF4-FFF2-40B4-BE49-F238E27FC236}">
+                <a16:creationId xmlns:a16="http://schemas.microsoft.com/office/drawing/2014/main" id="{30127DCC-F08E-4CE6-B820-5278397CC007}"/>
+              </a:ext>
+            </a:extLst>
+          </p:cNvPr>
+          <p:cNvCxnSpPr>
+            <a:stCxn id="6" idx="2"/>
+            <a:endCxn id="7" idx="0"/>
+          </p:cNvCxnSpPr>
+          <p:nvPr/>
+        </p:nvCxnSpPr>
+        <p:spPr>
+          <a:xfrm flipH="1">
+            <a:off x="2821404" y="3079420"/>
+            <a:ext cx="3007896" cy="1068492"/>
+          </a:xfrm>
+          <a:prstGeom prst="straightConnector1">
+            <a:avLst/>
+          </a:prstGeom>
+          <a:ln>
+            <a:solidFill>
+              <a:schemeClr val="tx1"/>
+            </a:solidFill>
+            <a:tailEnd type="triangle"/>
+          </a:ln>
+        </p:spPr>
+        <p:style>
+          <a:lnRef idx="1">
+            <a:schemeClr val="accent1"/>
+          </a:lnRef>
+          <a:fillRef idx="0">
+            <a:schemeClr val="accent1"/>
+          </a:fillRef>
+          <a:effectRef idx="0">
+            <a:schemeClr val="accent1"/>
+          </a:effectRef>
+          <a:fontRef idx="minor">
+            <a:schemeClr val="tx1"/>
+          </a:fontRef>
+        </p:style>
+      </p:cxnSp>
+      <p:cxnSp>
+        <p:nvCxnSpPr>
+          <p:cNvPr id="12" name="直接箭头连接符 11">
+            <a:extLst>
+              <a:ext uri="{FF2B5EF4-FFF2-40B4-BE49-F238E27FC236}">
+                <a16:creationId xmlns:a16="http://schemas.microsoft.com/office/drawing/2014/main" id="{FF726DF0-EDE8-449B-821C-A531FA708914}"/>
+              </a:ext>
+            </a:extLst>
+          </p:cNvPr>
+          <p:cNvCxnSpPr>
+            <a:stCxn id="6" idx="2"/>
+            <a:endCxn id="8" idx="0"/>
+          </p:cNvCxnSpPr>
+          <p:nvPr/>
+        </p:nvCxnSpPr>
+        <p:spPr>
+          <a:xfrm>
+            <a:off x="5829300" y="3079420"/>
+            <a:ext cx="2701089" cy="1068492"/>
+          </a:xfrm>
+          <a:prstGeom prst="straightConnector1">
+            <a:avLst/>
+          </a:prstGeom>
+          <a:ln>
+            <a:solidFill>
+              <a:schemeClr val="tx1"/>
+            </a:solidFill>
+            <a:tailEnd type="triangle"/>
+          </a:ln>
+        </p:spPr>
+        <p:style>
+          <a:lnRef idx="1">
+            <a:schemeClr val="accent1"/>
+          </a:lnRef>
+          <a:fillRef idx="0">
+            <a:schemeClr val="accent1"/>
+          </a:fillRef>
+          <a:effectRef idx="0">
+            <a:schemeClr val="accent1"/>
+          </a:effectRef>
+          <a:fontRef idx="minor">
+            <a:schemeClr val="tx1"/>
+          </a:fontRef>
+        </p:style>
+      </p:cxnSp>
+    </p:spTree>
+    <p:extLst>
+      <p:ext uri="{BB962C8B-B14F-4D97-AF65-F5344CB8AC3E}">
+        <p14:creationId xmlns:p14="http://schemas.microsoft.com/office/powerpoint/2010/main" val="3374475074"/>
+      </p:ext>
+    </p:extLst>
+  </p:cSld>
+  <p:clrMapOvr>
+    <a:masterClrMapping/>
+  </p:clrMapOvr>
+</p:sld>
+</file>
+
+<file path=ppt/slides/slide6.xml><?xml version="1.0" encoding="utf-8"?>
+<p:sld xmlns:a="http://schemas.openxmlformats.org/drawingml/2006/main" xmlns:r="http://schemas.openxmlformats.org/officeDocument/2006/relationships" xmlns:p="http://schemas.openxmlformats.org/presentationml/2006/main">
+  <p:cSld>
+    <p:spTree>
+      <p:nvGrpSpPr>
+        <p:cNvPr id="1" name=""/>
+        <p:cNvGrpSpPr/>
+        <p:nvPr/>
+      </p:nvGrpSpPr>
+      <p:grpSpPr>
+        <a:xfrm>
+          <a:off x="0" y="0"/>
+          <a:ext cx="0" cy="0"/>
+          <a:chOff x="0" y="0"/>
+          <a:chExt cx="0" cy="0"/>
+        </a:xfrm>
+      </p:grpSpPr>
+      <p:pic>
+        <p:nvPicPr>
+          <p:cNvPr id="5" name="图片 4">
+            <a:extLst>
+              <a:ext uri="{FF2B5EF4-FFF2-40B4-BE49-F238E27FC236}">
+                <a16:creationId xmlns:a16="http://schemas.microsoft.com/office/drawing/2014/main" id="{67D76A21-7531-48E4-8439-F2940A4A9D2C}"/>
+              </a:ext>
+            </a:extLst>
+          </p:cNvPr>
+          <p:cNvPicPr>
+            <a:picLocks noChangeAspect="1"/>
+          </p:cNvPicPr>
+          <p:nvPr/>
+        </p:nvPicPr>
+        <p:blipFill>
+          <a:blip r:embed="rId2">
+            <a:extLst>
+              <a:ext uri="{28A0092B-C50C-407E-A947-70E740481C1C}">
+                <a14:useLocalDpi xmlns:a14="http://schemas.microsoft.com/office/drawing/2010/main" val="0"/>
+              </a:ext>
+            </a:extLst>
+          </a:blip>
+          <a:stretch>
+            <a:fillRect/>
+          </a:stretch>
+        </p:blipFill>
+        <p:spPr>
+          <a:xfrm>
+            <a:off x="709271" y="844297"/>
+            <a:ext cx="10580952" cy="1295238"/>
+          </a:xfrm>
+          <a:prstGeom prst="rect">
+            <a:avLst/>
+          </a:prstGeom>
+        </p:spPr>
+      </p:pic>
+      <p:sp>
+        <p:nvSpPr>
+          <p:cNvPr id="6" name="文本框 5">
+            <a:extLst>
+              <a:ext uri="{FF2B5EF4-FFF2-40B4-BE49-F238E27FC236}">
+                <a16:creationId xmlns:a16="http://schemas.microsoft.com/office/drawing/2014/main" id="{29DD7AE6-1941-4D8D-8B9D-90C833A9A757}"/>
+              </a:ext>
+            </a:extLst>
+          </p:cNvPr>
+          <p:cNvSpPr txBox="1"/>
+          <p:nvPr/>
+        </p:nvSpPr>
+        <p:spPr>
+          <a:xfrm>
+            <a:off x="1888958" y="2839453"/>
+            <a:ext cx="5185610" cy="369332"/>
+          </a:xfrm>
+          <a:prstGeom prst="rect">
+            <a:avLst/>
+          </a:prstGeom>
+        </p:spPr>
+        <p:style>
+          <a:lnRef idx="2">
+            <a:schemeClr val="dk1"/>
+          </a:lnRef>
+          <a:fillRef idx="1">
+            <a:schemeClr val="lt1"/>
+          </a:fillRef>
+          <a:effectRef idx="0">
+            <a:schemeClr val="dk1"/>
+          </a:effectRef>
+          <a:fontRef idx="minor">
+            <a:schemeClr val="dk1"/>
+          </a:fontRef>
+        </p:style>
+        <p:txBody>
+          <a:bodyPr wrap="square" rtlCol="0">
+            <a:spAutoFit/>
+          </a:bodyPr>
+          <a:lstStyle/>
+          <a:p>
+            <a:r>
+              <a:rPr lang="en-US" altLang="zh-CN" dirty="0" err="1"/>
+              <a:t>communityIndexPage_Copyright</a:t>
+            </a:r>
+            <a:r>
+              <a:rPr lang="zh-CN" altLang="en-US" dirty="0"/>
+              <a:t>控件 </a:t>
+            </a:r>
+            <a:r>
+              <a:rPr lang="en-US" altLang="zh-CN" dirty="0"/>
+              <a:t>-&gt; </a:t>
+            </a:r>
+            <a:r>
+              <a:rPr lang="zh-CN" altLang="en-US" dirty="0"/>
+              <a:t>版权信息</a:t>
+            </a:r>
+          </a:p>
+        </p:txBody>
+      </p:sp>
+    </p:spTree>
+    <p:extLst>
+      <p:ext uri="{BB962C8B-B14F-4D97-AF65-F5344CB8AC3E}">
+        <p14:creationId xmlns:p14="http://schemas.microsoft.com/office/powerpoint/2010/main" val="3350687699"/>
+      </p:ext>
+    </p:extLst>
+  </p:cSld>
+  <p:clrMapOvr>
+    <a:masterClrMapping/>
+  </p:clrMapOvr>
+</p:sld>
+</file>
+
+<file path=ppt/slides/slide7.xml><?xml version="1.0" encoding="utf-8"?>
+<p:sld xmlns:a="http://schemas.openxmlformats.org/drawingml/2006/main" xmlns:r="http://schemas.openxmlformats.org/officeDocument/2006/relationships" xmlns:p="http://schemas.openxmlformats.org/presentationml/2006/main">
+  <p:cSld>
+    <p:spTree>
+      <p:nvGrpSpPr>
+        <p:cNvPr id="1" name=""/>
+        <p:cNvGrpSpPr/>
+        <p:nvPr/>
+      </p:nvGrpSpPr>
+      <p:grpSpPr>
+        <a:xfrm>
+          <a:off x="0" y="0"/>
+          <a:ext cx="0" cy="0"/>
+          <a:chOff x="0" y="0"/>
+          <a:chExt cx="0" cy="0"/>
+        </a:xfrm>
+      </p:grpSpPr>
+      <p:pic>
+        <p:nvPicPr>
+          <p:cNvPr id="5" name="图片 4" descr="社交网络的手机截图&#10;&#10;描述已自动生成">
+            <a:extLst>
+              <a:ext uri="{FF2B5EF4-FFF2-40B4-BE49-F238E27FC236}">
+                <a16:creationId xmlns:a16="http://schemas.microsoft.com/office/drawing/2014/main" id="{D03BB26D-00DC-468E-A0E8-8EF21F7D39FC}"/>
+              </a:ext>
+            </a:extLst>
+          </p:cNvPr>
+          <p:cNvPicPr>
+            <a:picLocks noChangeAspect="1"/>
+          </p:cNvPicPr>
+          <p:nvPr/>
+        </p:nvPicPr>
+        <p:blipFill>
+          <a:blip r:embed="rId2">
+            <a:extLst>
+              <a:ext uri="{28A0092B-C50C-407E-A947-70E740481C1C}">
+                <a14:useLocalDpi xmlns:a14="http://schemas.microsoft.com/office/drawing/2010/main" val="0"/>
+              </a:ext>
+            </a:extLst>
+          </a:blip>
+          <a:stretch>
+            <a:fillRect/>
+          </a:stretch>
+        </p:blipFill>
+        <p:spPr>
+          <a:xfrm>
+            <a:off x="819809" y="294256"/>
+            <a:ext cx="10552381" cy="1857143"/>
+          </a:xfrm>
+          <a:prstGeom prst="rect">
+            <a:avLst/>
+          </a:prstGeom>
+        </p:spPr>
+      </p:pic>
+      <p:sp>
+        <p:nvSpPr>
+          <p:cNvPr id="6" name="文本框 5">
+            <a:extLst>
+              <a:ext uri="{FF2B5EF4-FFF2-40B4-BE49-F238E27FC236}">
+                <a16:creationId xmlns:a16="http://schemas.microsoft.com/office/drawing/2014/main" id="{C56E9160-AF43-4E44-A98C-C760CCBA046E}"/>
+              </a:ext>
+            </a:extLst>
+          </p:cNvPr>
+          <p:cNvSpPr txBox="1"/>
+          <p:nvPr/>
+        </p:nvSpPr>
+        <p:spPr>
+          <a:xfrm>
+            <a:off x="529390" y="2773710"/>
+            <a:ext cx="1828800" cy="369332"/>
+          </a:xfrm>
+          <a:prstGeom prst="rect">
+            <a:avLst/>
+          </a:prstGeom>
+        </p:spPr>
+        <p:style>
+          <a:lnRef idx="2">
+            <a:schemeClr val="dk1"/>
+          </a:lnRef>
+          <a:fillRef idx="1">
+            <a:schemeClr val="lt1"/>
+          </a:fillRef>
+          <a:effectRef idx="0">
+            <a:schemeClr val="dk1"/>
+          </a:effectRef>
+          <a:fontRef idx="minor">
+            <a:schemeClr val="dk1"/>
+          </a:fontRef>
+        </p:style>
+        <p:txBody>
+          <a:bodyPr wrap="square" rtlCol="0">
+            <a:spAutoFit/>
+          </a:bodyPr>
+          <a:lstStyle/>
+          <a:p>
+            <a:r>
+              <a:rPr lang="en-US" altLang="zh-CN" dirty="0" err="1"/>
+              <a:t>releaseCard</a:t>
+            </a:r>
+            <a:r>
+              <a:rPr lang="zh-CN" altLang="en-US" dirty="0"/>
+              <a:t>控件</a:t>
+            </a:r>
+          </a:p>
+        </p:txBody>
+      </p:sp>
+      <p:sp>
+        <p:nvSpPr>
+          <p:cNvPr id="7" name="文本框 6">
+            <a:extLst>
+              <a:ext uri="{FF2B5EF4-FFF2-40B4-BE49-F238E27FC236}">
+                <a16:creationId xmlns:a16="http://schemas.microsoft.com/office/drawing/2014/main" id="{7DCD495B-1F5C-4252-BB64-22AE1AE0AF44}"/>
+              </a:ext>
+            </a:extLst>
+          </p:cNvPr>
+          <p:cNvSpPr txBox="1"/>
+          <p:nvPr/>
+        </p:nvSpPr>
+        <p:spPr>
+          <a:xfrm>
+            <a:off x="3717760" y="2305871"/>
+            <a:ext cx="3019924" cy="369332"/>
+          </a:xfrm>
+          <a:prstGeom prst="rect">
+            <a:avLst/>
+          </a:prstGeom>
+        </p:spPr>
+        <p:style>
+          <a:lnRef idx="2">
+            <a:schemeClr val="dk1"/>
+          </a:lnRef>
+          <a:fillRef idx="1">
+            <a:schemeClr val="lt1"/>
+          </a:fillRef>
+          <a:effectRef idx="0">
+            <a:schemeClr val="dk1"/>
+          </a:effectRef>
+          <a:fontRef idx="minor">
+            <a:schemeClr val="dk1"/>
+          </a:fontRef>
+        </p:style>
+        <p:txBody>
+          <a:bodyPr wrap="square" rtlCol="0">
+            <a:spAutoFit/>
+          </a:bodyPr>
+          <a:lstStyle/>
+          <a:p>
+            <a:r>
+              <a:rPr lang="en-US" altLang="zh-CN" dirty="0" err="1"/>
+              <a:t>releaseCard_Title</a:t>
+            </a:r>
+            <a:r>
+              <a:rPr lang="en-US" altLang="zh-CN" dirty="0"/>
+              <a:t> -&gt; </a:t>
+            </a:r>
+            <a:r>
+              <a:rPr lang="zh-CN" altLang="en-US" dirty="0"/>
+              <a:t>标题</a:t>
+            </a:r>
+          </a:p>
+        </p:txBody>
+      </p:sp>
+      <p:sp>
+        <p:nvSpPr>
+          <p:cNvPr id="8" name="文本框 7">
+            <a:extLst>
+              <a:ext uri="{FF2B5EF4-FFF2-40B4-BE49-F238E27FC236}">
+                <a16:creationId xmlns:a16="http://schemas.microsoft.com/office/drawing/2014/main" id="{1ED57D35-D84F-46CC-A575-1279F2F909EA}"/>
+              </a:ext>
+            </a:extLst>
+          </p:cNvPr>
+          <p:cNvSpPr txBox="1"/>
+          <p:nvPr/>
+        </p:nvSpPr>
+        <p:spPr>
+          <a:xfrm>
+            <a:off x="3717760" y="2958376"/>
+            <a:ext cx="3019924" cy="369332"/>
+          </a:xfrm>
+          <a:prstGeom prst="rect">
+            <a:avLst/>
+          </a:prstGeom>
+        </p:spPr>
+        <p:style>
+          <a:lnRef idx="2">
+            <a:schemeClr val="dk1"/>
+          </a:lnRef>
+          <a:fillRef idx="1">
+            <a:schemeClr val="lt1"/>
+          </a:fillRef>
+          <a:effectRef idx="0">
+            <a:schemeClr val="dk1"/>
+          </a:effectRef>
+          <a:fontRef idx="minor">
+            <a:schemeClr val="dk1"/>
+          </a:fontRef>
+        </p:style>
+        <p:txBody>
+          <a:bodyPr wrap="square" rtlCol="0">
+            <a:spAutoFit/>
+          </a:bodyPr>
+          <a:lstStyle/>
+          <a:p>
+            <a:r>
+              <a:rPr lang="en-US" altLang="zh-CN" dirty="0" err="1"/>
+              <a:t>releaseCard_Text</a:t>
+            </a:r>
+            <a:r>
+              <a:rPr lang="en-US" altLang="zh-CN" dirty="0"/>
+              <a:t> -&gt; </a:t>
+            </a:r>
+            <a:r>
+              <a:rPr lang="zh-CN" altLang="en-US" dirty="0"/>
+              <a:t>内容</a:t>
+            </a:r>
+          </a:p>
+        </p:txBody>
+      </p:sp>
+      <p:sp>
+        <p:nvSpPr>
+          <p:cNvPr id="9" name="文本框 8">
+            <a:extLst>
+              <a:ext uri="{FF2B5EF4-FFF2-40B4-BE49-F238E27FC236}">
+                <a16:creationId xmlns:a16="http://schemas.microsoft.com/office/drawing/2014/main" id="{AA1B3B5E-1038-4A2D-A8F0-25908D0969AF}"/>
+              </a:ext>
+            </a:extLst>
+          </p:cNvPr>
+          <p:cNvSpPr txBox="1"/>
+          <p:nvPr/>
+        </p:nvSpPr>
+        <p:spPr>
+          <a:xfrm>
+            <a:off x="3717759" y="3610881"/>
+            <a:ext cx="3019925" cy="369332"/>
+          </a:xfrm>
+          <a:prstGeom prst="rect">
+            <a:avLst/>
+          </a:prstGeom>
+        </p:spPr>
+        <p:style>
+          <a:lnRef idx="2">
+            <a:schemeClr val="dk1"/>
+          </a:lnRef>
+          <a:fillRef idx="1">
+            <a:schemeClr val="lt1"/>
+          </a:fillRef>
+          <a:effectRef idx="0">
+            <a:schemeClr val="dk1"/>
+          </a:effectRef>
+          <a:fontRef idx="minor">
+            <a:schemeClr val="dk1"/>
+          </a:fontRef>
+        </p:style>
+        <p:txBody>
+          <a:bodyPr wrap="square" rtlCol="0">
+            <a:spAutoFit/>
+          </a:bodyPr>
+          <a:lstStyle/>
+          <a:p>
+            <a:r>
+              <a:rPr lang="en-US" altLang="zh-CN" dirty="0" err="1"/>
+              <a:t>releaseCard_Data</a:t>
+            </a:r>
+            <a:r>
+              <a:rPr lang="en-US" altLang="zh-CN" dirty="0"/>
+              <a:t> -&gt; </a:t>
+            </a:r>
+            <a:r>
+              <a:rPr lang="zh-CN" altLang="en-US" dirty="0"/>
+              <a:t>日期</a:t>
+            </a:r>
+          </a:p>
+        </p:txBody>
+      </p:sp>
+      <p:cxnSp>
+        <p:nvCxnSpPr>
+          <p:cNvPr id="11" name="直接箭头连接符 10">
+            <a:extLst>
+              <a:ext uri="{FF2B5EF4-FFF2-40B4-BE49-F238E27FC236}">
+                <a16:creationId xmlns:a16="http://schemas.microsoft.com/office/drawing/2014/main" id="{C8EF0A2E-8949-436D-B6BC-3F6F2A774BC7}"/>
+              </a:ext>
+            </a:extLst>
+          </p:cNvPr>
+          <p:cNvCxnSpPr>
+            <a:stCxn id="6" idx="3"/>
+            <a:endCxn id="7" idx="1"/>
+          </p:cNvCxnSpPr>
+          <p:nvPr/>
+        </p:nvCxnSpPr>
+        <p:spPr>
+          <a:xfrm flipV="1">
+            <a:off x="2358190" y="2490537"/>
+            <a:ext cx="1359570" cy="467839"/>
+          </a:xfrm>
+          <a:prstGeom prst="straightConnector1">
+            <a:avLst/>
+          </a:prstGeom>
+          <a:ln>
+            <a:solidFill>
+              <a:schemeClr val="tx1"/>
+            </a:solidFill>
+            <a:tailEnd type="triangle"/>
+          </a:ln>
+        </p:spPr>
+        <p:style>
+          <a:lnRef idx="1">
+            <a:schemeClr val="accent1"/>
+          </a:lnRef>
+          <a:fillRef idx="0">
+            <a:schemeClr val="accent1"/>
+          </a:fillRef>
+          <a:effectRef idx="0">
+            <a:schemeClr val="accent1"/>
+          </a:effectRef>
+          <a:fontRef idx="minor">
+            <a:schemeClr val="tx1"/>
+          </a:fontRef>
+        </p:style>
+      </p:cxnSp>
+      <p:cxnSp>
+        <p:nvCxnSpPr>
+          <p:cNvPr id="13" name="直接箭头连接符 12">
+            <a:extLst>
+              <a:ext uri="{FF2B5EF4-FFF2-40B4-BE49-F238E27FC236}">
+                <a16:creationId xmlns:a16="http://schemas.microsoft.com/office/drawing/2014/main" id="{749A4258-C1E2-426A-A59F-67A73DAEEB1F}"/>
+              </a:ext>
+            </a:extLst>
+          </p:cNvPr>
+          <p:cNvCxnSpPr>
+            <a:stCxn id="6" idx="3"/>
+            <a:endCxn id="8" idx="1"/>
+          </p:cNvCxnSpPr>
+          <p:nvPr/>
+        </p:nvCxnSpPr>
+        <p:spPr>
+          <a:xfrm>
+            <a:off x="2358190" y="2958376"/>
+            <a:ext cx="1359570" cy="184666"/>
+          </a:xfrm>
+          <a:prstGeom prst="straightConnector1">
+            <a:avLst/>
+          </a:prstGeom>
+          <a:ln>
+            <a:solidFill>
+              <a:schemeClr val="tx1"/>
+            </a:solidFill>
+            <a:tailEnd type="triangle"/>
+          </a:ln>
+        </p:spPr>
+        <p:style>
+          <a:lnRef idx="1">
+            <a:schemeClr val="accent1"/>
+          </a:lnRef>
+          <a:fillRef idx="0">
+            <a:schemeClr val="accent1"/>
+          </a:fillRef>
+          <a:effectRef idx="0">
+            <a:schemeClr val="accent1"/>
+          </a:effectRef>
+          <a:fontRef idx="minor">
+            <a:schemeClr val="tx1"/>
+          </a:fontRef>
+        </p:style>
+      </p:cxnSp>
+      <p:cxnSp>
+        <p:nvCxnSpPr>
+          <p:cNvPr id="15" name="直接箭头连接符 14">
+            <a:extLst>
+              <a:ext uri="{FF2B5EF4-FFF2-40B4-BE49-F238E27FC236}">
+                <a16:creationId xmlns:a16="http://schemas.microsoft.com/office/drawing/2014/main" id="{6DFB2745-E393-4F93-86D1-DF243DEEEEBB}"/>
+              </a:ext>
+            </a:extLst>
+          </p:cNvPr>
+          <p:cNvCxnSpPr>
+            <a:stCxn id="6" idx="3"/>
+            <a:endCxn id="9" idx="1"/>
+          </p:cNvCxnSpPr>
+          <p:nvPr/>
+        </p:nvCxnSpPr>
+        <p:spPr>
+          <a:xfrm>
+            <a:off x="2358190" y="2958376"/>
+            <a:ext cx="1359569" cy="837171"/>
+          </a:xfrm>
+          <a:prstGeom prst="straightConnector1">
+            <a:avLst/>
+          </a:prstGeom>
+          <a:ln>
+            <a:solidFill>
+              <a:schemeClr val="tx1"/>
+            </a:solidFill>
+            <a:tailEnd type="triangle"/>
+          </a:ln>
+        </p:spPr>
+        <p:style>
+          <a:lnRef idx="1">
+            <a:schemeClr val="accent1"/>
+          </a:lnRef>
+          <a:fillRef idx="0">
+            <a:schemeClr val="accent1"/>
+          </a:fillRef>
+          <a:effectRef idx="0">
+            <a:schemeClr val="accent1"/>
+          </a:effectRef>
+          <a:fontRef idx="minor">
+            <a:schemeClr val="tx1"/>
+          </a:fontRef>
+        </p:style>
+      </p:cxnSp>
+      <p:pic>
+        <p:nvPicPr>
+          <p:cNvPr id="17" name="图片 16">
+            <a:extLst>
+              <a:ext uri="{FF2B5EF4-FFF2-40B4-BE49-F238E27FC236}">
+                <a16:creationId xmlns:a16="http://schemas.microsoft.com/office/drawing/2014/main" id="{D2C4EE51-DDDF-4853-9A85-0A918261DC7B}"/>
+              </a:ext>
+            </a:extLst>
+          </p:cNvPr>
+          <p:cNvPicPr>
+            <a:picLocks noChangeAspect="1"/>
+          </p:cNvPicPr>
+          <p:nvPr/>
+        </p:nvPicPr>
+        <p:blipFill>
+          <a:blip r:embed="rId3">
+            <a:extLst>
+              <a:ext uri="{28A0092B-C50C-407E-A947-70E740481C1C}">
+                <a14:useLocalDpi xmlns:a14="http://schemas.microsoft.com/office/drawing/2010/main" val="0"/>
+              </a:ext>
+            </a:extLst>
+          </a:blip>
+          <a:stretch>
+            <a:fillRect/>
+          </a:stretch>
+        </p:blipFill>
+        <p:spPr>
+          <a:xfrm>
+            <a:off x="1892968" y="4778144"/>
+            <a:ext cx="5619048" cy="266667"/>
+          </a:xfrm>
+          <a:prstGeom prst="rect">
+            <a:avLst/>
+          </a:prstGeom>
+        </p:spPr>
+      </p:pic>
+      <p:pic>
+        <p:nvPicPr>
+          <p:cNvPr id="19" name="图片 18">
+            <a:extLst>
+              <a:ext uri="{FF2B5EF4-FFF2-40B4-BE49-F238E27FC236}">
+                <a16:creationId xmlns:a16="http://schemas.microsoft.com/office/drawing/2014/main" id="{CCFDD53B-DF94-4263-AF49-F4DF43D17EEB}"/>
+              </a:ext>
+            </a:extLst>
+          </p:cNvPr>
+          <p:cNvPicPr>
+            <a:picLocks noChangeAspect="1"/>
+          </p:cNvPicPr>
+          <p:nvPr/>
+        </p:nvPicPr>
+        <p:blipFill>
+          <a:blip r:embed="rId4">
+            <a:extLst>
+              <a:ext uri="{28A0092B-C50C-407E-A947-70E740481C1C}">
+                <a14:useLocalDpi xmlns:a14="http://schemas.microsoft.com/office/drawing/2010/main" val="0"/>
+              </a:ext>
+            </a:extLst>
+          </a:blip>
+          <a:stretch>
+            <a:fillRect/>
+          </a:stretch>
+        </p:blipFill>
+        <p:spPr>
+          <a:xfrm>
+            <a:off x="1892968" y="5280810"/>
+            <a:ext cx="6647619" cy="790476"/>
+          </a:xfrm>
+          <a:prstGeom prst="rect">
+            <a:avLst/>
+          </a:prstGeom>
+        </p:spPr>
+      </p:pic>
+    </p:spTree>
+    <p:extLst>
+      <p:ext uri="{BB962C8B-B14F-4D97-AF65-F5344CB8AC3E}">
+        <p14:creationId xmlns:p14="http://schemas.microsoft.com/office/powerpoint/2010/main" val="2556355827"/>
+      </p:ext>
+    </p:extLst>
+  </p:cSld>
+  <p:clrMapOvr>
+    <a:masterClrMapping/>
+  </p:clrMapOvr>
+</p:sld>
+</file>
+
+<file path=ppt/slides/slide8.xml><?xml version="1.0" encoding="utf-8"?>
+<p:sld xmlns:a="http://schemas.openxmlformats.org/drawingml/2006/main" xmlns:r="http://schemas.openxmlformats.org/officeDocument/2006/relationships" xmlns:p="http://schemas.openxmlformats.org/presentationml/2006/main">
+  <p:cSld>
+    <p:spTree>
+      <p:nvGrpSpPr>
+        <p:cNvPr id="1" name=""/>
+        <p:cNvGrpSpPr/>
+        <p:nvPr/>
+      </p:nvGrpSpPr>
+      <p:grpSpPr>
+        <a:xfrm>
+          <a:off x="0" y="0"/>
+          <a:ext cx="0" cy="0"/>
+          <a:chOff x="0" y="0"/>
+          <a:chExt cx="0" cy="0"/>
+        </a:xfrm>
+      </p:grpSpPr>
+      <p:sp>
+        <p:nvSpPr>
+          <p:cNvPr id="4" name="文本框 3">
+            <a:extLst>
+              <a:ext uri="{FF2B5EF4-FFF2-40B4-BE49-F238E27FC236}">
+                <a16:creationId xmlns:a16="http://schemas.microsoft.com/office/drawing/2014/main" id="{96143022-1075-44DD-8393-9B394704F892}"/>
+              </a:ext>
+            </a:extLst>
+          </p:cNvPr>
+          <p:cNvSpPr txBox="1"/>
+          <p:nvPr/>
+        </p:nvSpPr>
+        <p:spPr>
+          <a:xfrm>
+            <a:off x="2911040" y="5405316"/>
+            <a:ext cx="5330535" cy="369332"/>
+          </a:xfrm>
+          <a:prstGeom prst="rect">
+            <a:avLst/>
+          </a:prstGeom>
+        </p:spPr>
+        <p:style>
+          <a:lnRef idx="2">
+            <a:schemeClr val="dk1"/>
+          </a:lnRef>
+          <a:fillRef idx="1">
+            <a:schemeClr val="lt1"/>
+          </a:fillRef>
+          <a:effectRef idx="0">
+            <a:schemeClr val="dk1"/>
+          </a:effectRef>
+          <a:fontRef idx="minor">
+            <a:schemeClr val="dk1"/>
+          </a:fontRef>
+        </p:style>
+        <p:txBody>
+          <a:bodyPr wrap="square" rtlCol="0">
+            <a:spAutoFit/>
+          </a:bodyPr>
+          <a:lstStyle/>
+          <a:p>
+            <a:r>
+              <a:rPr lang="en-US" altLang="zh-CN" dirty="0" err="1"/>
+              <a:t>communityImportantInformationPublish_Input</a:t>
+            </a:r>
+            <a:r>
+              <a:rPr lang="zh-CN" altLang="en-US" dirty="0"/>
+              <a:t>控件</a:t>
+            </a:r>
+          </a:p>
+        </p:txBody>
+      </p:sp>
+      <p:pic>
+        <p:nvPicPr>
+          <p:cNvPr id="6" name="图片 5" descr="手机屏幕截图&#10;&#10;描述已自动生成">
+            <a:extLst>
+              <a:ext uri="{FF2B5EF4-FFF2-40B4-BE49-F238E27FC236}">
+                <a16:creationId xmlns:a16="http://schemas.microsoft.com/office/drawing/2014/main" id="{F12A2CF3-A52E-47B2-A2D3-E2A6FACEC472}"/>
+              </a:ext>
+            </a:extLst>
+          </p:cNvPr>
+          <p:cNvPicPr>
+            <a:picLocks noChangeAspect="1"/>
+          </p:cNvPicPr>
+          <p:nvPr/>
+        </p:nvPicPr>
+        <p:blipFill>
+          <a:blip r:embed="rId2">
+            <a:extLst>
+              <a:ext uri="{28A0092B-C50C-407E-A947-70E740481C1C}">
+                <a14:useLocalDpi xmlns:a14="http://schemas.microsoft.com/office/drawing/2010/main" val="0"/>
+              </a:ext>
+            </a:extLst>
+          </a:blip>
+          <a:stretch>
+            <a:fillRect/>
+          </a:stretch>
+        </p:blipFill>
+        <p:spPr>
+          <a:xfrm>
+            <a:off x="1868557" y="188844"/>
+            <a:ext cx="7745084" cy="5028581"/>
+          </a:xfrm>
+          <a:prstGeom prst="rect">
+            <a:avLst/>
+          </a:prstGeom>
+        </p:spPr>
+      </p:pic>
+      <p:sp>
+        <p:nvSpPr>
+          <p:cNvPr id="2" name="文本框 1">
+            <a:extLst>
+              <a:ext uri="{FF2B5EF4-FFF2-40B4-BE49-F238E27FC236}">
+                <a16:creationId xmlns:a16="http://schemas.microsoft.com/office/drawing/2014/main" id="{71ABBBF8-065C-4A59-AA38-9DBF878A5650}"/>
+              </a:ext>
+            </a:extLst>
+          </p:cNvPr>
+          <p:cNvSpPr txBox="1"/>
+          <p:nvPr/>
+        </p:nvSpPr>
+        <p:spPr>
+          <a:xfrm>
+            <a:off x="866274" y="6075947"/>
+            <a:ext cx="4223084" cy="369332"/>
+          </a:xfrm>
+          <a:prstGeom prst="rect">
+            <a:avLst/>
+          </a:prstGeom>
+        </p:spPr>
+        <p:style>
+          <a:lnRef idx="2">
+            <a:schemeClr val="dk1"/>
+          </a:lnRef>
+          <a:fillRef idx="1">
+            <a:schemeClr val="lt1"/>
+          </a:fillRef>
+          <a:effectRef idx="0">
+            <a:schemeClr val="dk1"/>
+          </a:effectRef>
+          <a:fontRef idx="minor">
+            <a:schemeClr val="dk1"/>
+          </a:fontRef>
+        </p:style>
+        <p:txBody>
+          <a:bodyPr wrap="square" rtlCol="0">
+            <a:spAutoFit/>
+          </a:bodyPr>
+          <a:lstStyle/>
+          <a:p>
+            <a:r>
+              <a:rPr lang="en-US" altLang="zh-CN" dirty="0" err="1"/>
+              <a:t>input_Title_Value</a:t>
+            </a:r>
+            <a:r>
+              <a:rPr lang="en-US" altLang="zh-CN" dirty="0"/>
+              <a:t> -&gt; </a:t>
+            </a:r>
+            <a:r>
+              <a:rPr lang="zh-CN" altLang="en-US" dirty="0"/>
+              <a:t>标题内容（可不填）</a:t>
+            </a:r>
+          </a:p>
+        </p:txBody>
+      </p:sp>
+      <p:sp>
+        <p:nvSpPr>
+          <p:cNvPr id="5" name="文本框 4">
+            <a:extLst>
+              <a:ext uri="{FF2B5EF4-FFF2-40B4-BE49-F238E27FC236}">
+                <a16:creationId xmlns:a16="http://schemas.microsoft.com/office/drawing/2014/main" id="{41AC9423-549D-4949-9CD2-1A733D8F42E3}"/>
+              </a:ext>
+            </a:extLst>
+          </p:cNvPr>
+          <p:cNvSpPr txBox="1"/>
+          <p:nvPr/>
+        </p:nvSpPr>
+        <p:spPr>
+          <a:xfrm>
+            <a:off x="5741099" y="6075947"/>
+            <a:ext cx="4223084" cy="369332"/>
+          </a:xfrm>
+          <a:prstGeom prst="rect">
+            <a:avLst/>
+          </a:prstGeom>
+        </p:spPr>
+        <p:style>
+          <a:lnRef idx="2">
+            <a:schemeClr val="dk1"/>
+          </a:lnRef>
+          <a:fillRef idx="1">
+            <a:schemeClr val="lt1"/>
+          </a:fillRef>
+          <a:effectRef idx="0">
+            <a:schemeClr val="dk1"/>
+          </a:effectRef>
+          <a:fontRef idx="minor">
+            <a:schemeClr val="dk1"/>
+          </a:fontRef>
+        </p:style>
+        <p:txBody>
+          <a:bodyPr wrap="square" rtlCol="0">
+            <a:spAutoFit/>
+          </a:bodyPr>
+          <a:lstStyle/>
+          <a:p>
+            <a:r>
+              <a:rPr lang="en-US" altLang="zh-CN" dirty="0" err="1"/>
+              <a:t>input_Text_Value</a:t>
+            </a:r>
+            <a:r>
+              <a:rPr lang="en-US" altLang="zh-CN" dirty="0"/>
+              <a:t>-&gt; </a:t>
+            </a:r>
+            <a:r>
+              <a:rPr lang="zh-CN" altLang="en-US" dirty="0"/>
+              <a:t>文本内容（可不填）</a:t>
+            </a:r>
+          </a:p>
+        </p:txBody>
+      </p:sp>
+      <p:cxnSp>
+        <p:nvCxnSpPr>
+          <p:cNvPr id="7" name="直接箭头连接符 6">
+            <a:extLst>
+              <a:ext uri="{FF2B5EF4-FFF2-40B4-BE49-F238E27FC236}">
+                <a16:creationId xmlns:a16="http://schemas.microsoft.com/office/drawing/2014/main" id="{8D1D752E-340D-4D5D-8FD4-35BC55248BF4}"/>
+              </a:ext>
+            </a:extLst>
+          </p:cNvPr>
+          <p:cNvCxnSpPr>
+            <a:stCxn id="4" idx="2"/>
+          </p:cNvCxnSpPr>
+          <p:nvPr/>
+        </p:nvCxnSpPr>
+        <p:spPr>
+          <a:xfrm flipH="1">
+            <a:off x="2911040" y="5774648"/>
+            <a:ext cx="2665268" cy="301299"/>
+          </a:xfrm>
+          <a:prstGeom prst="straightConnector1">
+            <a:avLst/>
+          </a:prstGeom>
+          <a:ln>
+            <a:solidFill>
+              <a:schemeClr val="tx1"/>
+            </a:solidFill>
+            <a:tailEnd type="triangle"/>
+          </a:ln>
+        </p:spPr>
+        <p:style>
+          <a:lnRef idx="1">
+            <a:schemeClr val="accent1"/>
+          </a:lnRef>
+          <a:fillRef idx="0">
+            <a:schemeClr val="accent1"/>
+          </a:fillRef>
+          <a:effectRef idx="0">
+            <a:schemeClr val="accent1"/>
+          </a:effectRef>
+          <a:fontRef idx="minor">
+            <a:schemeClr val="tx1"/>
+          </a:fontRef>
+        </p:style>
+      </p:cxnSp>
+      <p:cxnSp>
+        <p:nvCxnSpPr>
+          <p:cNvPr id="9" name="直接箭头连接符 8">
+            <a:extLst>
+              <a:ext uri="{FF2B5EF4-FFF2-40B4-BE49-F238E27FC236}">
+                <a16:creationId xmlns:a16="http://schemas.microsoft.com/office/drawing/2014/main" id="{32C5581E-0B0A-4203-98D5-3B2BD37BE094}"/>
+              </a:ext>
+            </a:extLst>
+          </p:cNvPr>
+          <p:cNvCxnSpPr>
+            <a:stCxn id="4" idx="2"/>
+            <a:endCxn id="5" idx="0"/>
+          </p:cNvCxnSpPr>
+          <p:nvPr/>
+        </p:nvCxnSpPr>
+        <p:spPr>
+          <a:xfrm>
+            <a:off x="5576308" y="5774648"/>
+            <a:ext cx="2276333" cy="301299"/>
+          </a:xfrm>
+          <a:prstGeom prst="straightConnector1">
+            <a:avLst/>
+          </a:prstGeom>
+          <a:ln>
+            <a:solidFill>
+              <a:schemeClr val="tx1"/>
+            </a:solidFill>
+            <a:tailEnd type="triangle"/>
+          </a:ln>
+        </p:spPr>
+        <p:style>
+          <a:lnRef idx="1">
+            <a:schemeClr val="accent1"/>
+          </a:lnRef>
+          <a:fillRef idx="0">
+            <a:schemeClr val="accent1"/>
+          </a:fillRef>
+          <a:effectRef idx="0">
+            <a:schemeClr val="accent1"/>
+          </a:effectRef>
+          <a:fontRef idx="minor">
+            <a:schemeClr val="tx1"/>
+          </a:fontRef>
+        </p:style>
+      </p:cxnSp>
+    </p:spTree>
+    <p:extLst>
+      <p:ext uri="{BB962C8B-B14F-4D97-AF65-F5344CB8AC3E}">
+        <p14:creationId xmlns:p14="http://schemas.microsoft.com/office/powerpoint/2010/main" val="3201175200"/>
+      </p:ext>
+    </p:extLst>
+  </p:cSld>
+  <p:clrMapOvr>
+    <a:masterClrMapping/>
+  </p:clrMapOvr>
+</p:sld>
+</file>
+
+<file path=ppt/slides/slide9.xml><?xml version="1.0" encoding="utf-8"?>
+<p:sld xmlns:a="http://schemas.openxmlformats.org/drawingml/2006/main" xmlns:r="http://schemas.openxmlformats.org/officeDocument/2006/relationships" xmlns:p="http://schemas.openxmlformats.org/presentationml/2006/main">
+  <p:cSld>
+    <p:spTree>
+      <p:nvGrpSpPr>
+        <p:cNvPr id="1" name=""/>
+        <p:cNvGrpSpPr/>
+        <p:nvPr/>
+      </p:nvGrpSpPr>
+      <p:grpSpPr>
+        <a:xfrm>
+          <a:off x="0" y="0"/>
+          <a:ext cx="0" cy="0"/>
+          <a:chOff x="0" y="0"/>
+          <a:chExt cx="0" cy="0"/>
+        </a:xfrm>
+      </p:grpSpPr>
+      <p:pic>
+        <p:nvPicPr>
+          <p:cNvPr id="5" name="图片 4">
+            <a:extLst>
+              <a:ext uri="{FF2B5EF4-FFF2-40B4-BE49-F238E27FC236}">
+                <a16:creationId xmlns:a16="http://schemas.microsoft.com/office/drawing/2014/main" id="{FBE3C6BE-02BC-4525-8E12-839561178ACC}"/>
+              </a:ext>
+            </a:extLst>
+          </p:cNvPr>
+          <p:cNvPicPr>
+            <a:picLocks noChangeAspect="1"/>
+          </p:cNvPicPr>
+          <p:nvPr/>
+        </p:nvPicPr>
+        <p:blipFill>
+          <a:blip r:embed="rId2">
+            <a:extLst>
+              <a:ext uri="{28A0092B-C50C-407E-A947-70E740481C1C}">
+                <a14:useLocalDpi xmlns:a14="http://schemas.microsoft.com/office/drawing/2010/main" val="0"/>
+              </a:ext>
+            </a:extLst>
+          </a:blip>
+          <a:stretch>
+            <a:fillRect/>
+          </a:stretch>
+        </p:blipFill>
+        <p:spPr>
+          <a:xfrm>
+            <a:off x="1137052" y="764301"/>
+            <a:ext cx="9123809" cy="733333"/>
+          </a:xfrm>
+          <a:prstGeom prst="rect">
+            <a:avLst/>
+          </a:prstGeom>
+        </p:spPr>
+      </p:pic>
+      <p:sp>
+        <p:nvSpPr>
+          <p:cNvPr id="6" name="文本框 5">
+            <a:extLst>
+              <a:ext uri="{FF2B5EF4-FFF2-40B4-BE49-F238E27FC236}">
+                <a16:creationId xmlns:a16="http://schemas.microsoft.com/office/drawing/2014/main" id="{E1974C25-E8BF-4D7F-B0C8-90E95CDFD33D}"/>
+              </a:ext>
+            </a:extLst>
+          </p:cNvPr>
+          <p:cNvSpPr txBox="1"/>
+          <p:nvPr/>
+        </p:nvSpPr>
+        <p:spPr>
+          <a:xfrm>
+            <a:off x="1137052" y="1961148"/>
+            <a:ext cx="1870912" cy="369332"/>
+          </a:xfrm>
+          <a:prstGeom prst="rect">
+            <a:avLst/>
+          </a:prstGeom>
+        </p:spPr>
+        <p:style>
+          <a:lnRef idx="2">
+            <a:schemeClr val="dk1"/>
+          </a:lnRef>
+          <a:fillRef idx="1">
+            <a:schemeClr val="lt1"/>
+          </a:fillRef>
+          <a:effectRef idx="0">
+            <a:schemeClr val="dk1"/>
+          </a:effectRef>
+          <a:fontRef idx="minor">
+            <a:schemeClr val="dk1"/>
+          </a:fontRef>
+        </p:style>
+        <p:txBody>
+          <a:bodyPr wrap="square" rtlCol="0">
+            <a:spAutoFit/>
+          </a:bodyPr>
+          <a:lstStyle/>
+          <a:p>
+            <a:pPr algn="l"/>
+            <a:r>
+              <a:rPr lang="en-US" altLang="zh-CN" dirty="0"/>
+              <a:t>Information</a:t>
+            </a:r>
+            <a:r>
+              <a:rPr lang="zh-CN" altLang="en-US" dirty="0"/>
+              <a:t>控件</a:t>
+            </a:r>
+          </a:p>
+        </p:txBody>
+      </p:sp>
+      <p:pic>
+        <p:nvPicPr>
+          <p:cNvPr id="9" name="图片 8">
+            <a:extLst>
+              <a:ext uri="{FF2B5EF4-FFF2-40B4-BE49-F238E27FC236}">
+                <a16:creationId xmlns:a16="http://schemas.microsoft.com/office/drawing/2014/main" id="{3D4D4003-6E0F-4516-92C4-24DC03D50A90}"/>
+              </a:ext>
+            </a:extLst>
+          </p:cNvPr>
+          <p:cNvPicPr>
+            <a:picLocks noChangeAspect="1"/>
+          </p:cNvPicPr>
+          <p:nvPr/>
+        </p:nvPicPr>
+        <p:blipFill>
+          <a:blip r:embed="rId3">
+            <a:extLst>
+              <a:ext uri="{28A0092B-C50C-407E-A947-70E740481C1C}">
+                <a14:useLocalDpi xmlns:a14="http://schemas.microsoft.com/office/drawing/2010/main" val="0"/>
+              </a:ext>
+            </a:extLst>
+          </a:blip>
+          <a:stretch>
+            <a:fillRect/>
+          </a:stretch>
+        </p:blipFill>
+        <p:spPr>
+          <a:xfrm>
+            <a:off x="1137051" y="2655898"/>
+            <a:ext cx="9550957" cy="496375"/>
+          </a:xfrm>
+          <a:prstGeom prst="rect">
+            <a:avLst/>
+          </a:prstGeom>
+        </p:spPr>
+      </p:pic>
+      <p:pic>
+        <p:nvPicPr>
+          <p:cNvPr id="11" name="图片 10" descr="图片包含 橙子, 黑暗, 食物, 黑色&#10;&#10;描述已自动生成">
+            <a:extLst>
+              <a:ext uri="{FF2B5EF4-FFF2-40B4-BE49-F238E27FC236}">
+                <a16:creationId xmlns:a16="http://schemas.microsoft.com/office/drawing/2014/main" id="{7CD2DAEF-0FCA-4481-963F-2DE3125742F6}"/>
+              </a:ext>
+            </a:extLst>
+          </p:cNvPr>
+          <p:cNvPicPr>
+            <a:picLocks noChangeAspect="1"/>
+          </p:cNvPicPr>
+          <p:nvPr/>
+        </p:nvPicPr>
+        <p:blipFill>
+          <a:blip r:embed="rId4">
+            <a:extLst>
+              <a:ext uri="{28A0092B-C50C-407E-A947-70E740481C1C}">
+                <a14:useLocalDpi xmlns:a14="http://schemas.microsoft.com/office/drawing/2010/main" val="0"/>
+              </a:ext>
+            </a:extLst>
+          </a:blip>
+          <a:stretch>
+            <a:fillRect/>
+          </a:stretch>
+        </p:blipFill>
+        <p:spPr>
+          <a:xfrm>
+            <a:off x="1127527" y="3465246"/>
+            <a:ext cx="9527794" cy="1190975"/>
+          </a:xfrm>
+          <a:prstGeom prst="rect">
+            <a:avLst/>
+          </a:prstGeom>
+        </p:spPr>
+      </p:pic>
+    </p:spTree>
+    <p:extLst>
+      <p:ext uri="{BB962C8B-B14F-4D97-AF65-F5344CB8AC3E}">
+        <p14:creationId xmlns:p14="http://schemas.microsoft.com/office/powerpoint/2010/main" val="1709992679"/>
       </p:ext>
     </p:extLst>
   </p:cSld>

--- a/safe1/资料/图.pptx
+++ b/safe1/资料/图.pptx
@@ -12893,7 +12893,7 @@
         <p:spPr>
           <a:xfrm>
             <a:off x="6942219" y="1201477"/>
-            <a:ext cx="4920917" cy="369332"/>
+            <a:ext cx="4920917" cy="646331"/>
           </a:xfrm>
           <a:prstGeom prst="rect">
             <a:avLst/>
@@ -12937,8 +12937,13 @@
             </a:r>
             <a:r>
               <a:rPr lang="zh-CN" altLang="en-US" dirty="0"/>
-              <a:t>添加列表内容</a:t>
-            </a:r>
+              <a:t>添加</a:t>
+            </a:r>
+            <a:r>
+              <a:rPr lang="zh-CN" altLang="en-US"/>
+              <a:t>列表内容（会从上往下推）</a:t>
+            </a:r>
+            <a:endParaRPr lang="zh-CN" altLang="en-US" dirty="0"/>
           </a:p>
         </p:txBody>
       </p:sp>
@@ -13005,7 +13010,7 @@
         <p:spPr>
           <a:xfrm>
             <a:off x="5715001" y="750151"/>
-            <a:ext cx="1227218" cy="635992"/>
+            <a:ext cx="1227218" cy="774492"/>
           </a:xfrm>
           <a:prstGeom prst="straightConnector1">
             <a:avLst/>
